--- a/Neural_Network_Models/Neural_Network_Slides_v10.pptx
+++ b/Neural_Network_Models/Neural_Network_Slides_v10.pptx
@@ -376,7 +376,7 @@
           <a:p>
             <a:fld id="{2C78D355-45A0-1341-9ABE-E8A1C400C96C}" type="datetimeFigureOut">
               <a:rPr lang="en-US" smtClean="0"/>
-              <a:t>8/15/2020</a:t>
+              <a:t>8/16/2020</a:t>
             </a:fld>
             <a:endParaRPr lang="en-US"/>
           </a:p>
@@ -1252,6 +1252,26 @@
               </a:spcAft>
               <a:buNone/>
             </a:pPr>
+            <a:endParaRPr lang="en-US" dirty="0"/>
+          </a:p>
+          <a:p>
+            <a:pPr marL="0" lvl="0" indent="0" algn="l" rtl="0">
+              <a:spcBef>
+                <a:spcPts val="0"/>
+              </a:spcBef>
+              <a:spcAft>
+                <a:spcPts val="0"/>
+              </a:spcAft>
+              <a:buNone/>
+            </a:pPr>
+            <a:r>
+              <a:rPr lang="en-US" dirty="0"/>
+              <a:t>For the neural network classification of this data, the bins improved accuracy. The larger bins make </a:t>
+            </a:r>
+            <a:r>
+              <a:rPr lang="en-US"/>
+              <a:t>each category into a larger target.</a:t>
+            </a:r>
             <a:endParaRPr lang="en-US" dirty="0"/>
           </a:p>
           <a:p>
